--- a/javascript/ch#58-68/Presentation.pptx
+++ b/javascript/ch#58-68/Presentation.pptx
@@ -6,20 +6,21 @@
   </p:sldMasterIdLst>
   <p:sldIdLst>
     <p:sldId id="272" r:id="rId2"/>
-    <p:sldId id="256" r:id="rId3"/>
-    <p:sldId id="260" r:id="rId4"/>
-    <p:sldId id="261" r:id="rId5"/>
-    <p:sldId id="273" r:id="rId6"/>
-    <p:sldId id="274" r:id="rId7"/>
-    <p:sldId id="275" r:id="rId8"/>
-    <p:sldId id="276" r:id="rId9"/>
-    <p:sldId id="277" r:id="rId10"/>
-    <p:sldId id="283" r:id="rId11"/>
-    <p:sldId id="278" r:id="rId12"/>
-    <p:sldId id="279" r:id="rId13"/>
-    <p:sldId id="281" r:id="rId14"/>
-    <p:sldId id="280" r:id="rId15"/>
-    <p:sldId id="282" r:id="rId16"/>
+    <p:sldId id="284" r:id="rId3"/>
+    <p:sldId id="256" r:id="rId4"/>
+    <p:sldId id="260" r:id="rId5"/>
+    <p:sldId id="261" r:id="rId6"/>
+    <p:sldId id="273" r:id="rId7"/>
+    <p:sldId id="274" r:id="rId8"/>
+    <p:sldId id="275" r:id="rId9"/>
+    <p:sldId id="276" r:id="rId10"/>
+    <p:sldId id="277" r:id="rId11"/>
+    <p:sldId id="283" r:id="rId12"/>
+    <p:sldId id="278" r:id="rId13"/>
+    <p:sldId id="279" r:id="rId14"/>
+    <p:sldId id="281" r:id="rId15"/>
+    <p:sldId id="280" r:id="rId16"/>
+    <p:sldId id="282" r:id="rId17"/>
   </p:sldIdLst>
   <p:sldSz cx="12192000" cy="6858000"/>
   <p:notesSz cx="6858000" cy="9144000"/>
@@ -314,7 +315,7 @@
           <a:p>
             <a:fld id="{73C487FA-A9A8-4016-AD9D-9097715CEE64}" type="datetimeFigureOut">
               <a:rPr lang="en-US" smtClean="0"/>
-              <a:t>9/20/2018</a:t>
+              <a:t>11/2/2019</a:t>
             </a:fld>
             <a:endParaRPr lang="en-US"/>
           </a:p>
@@ -652,7 +653,7 @@
           <a:p>
             <a:fld id="{73C487FA-A9A8-4016-AD9D-9097715CEE64}" type="datetimeFigureOut">
               <a:rPr lang="en-US" smtClean="0"/>
-              <a:t>9/20/2018</a:t>
+              <a:t>11/2/2019</a:t>
             </a:fld>
             <a:endParaRPr lang="en-US"/>
           </a:p>
@@ -1053,7 +1054,7 @@
           <a:p>
             <a:fld id="{73C487FA-A9A8-4016-AD9D-9097715CEE64}" type="datetimeFigureOut">
               <a:rPr lang="en-US" smtClean="0"/>
-              <a:t>9/20/2018</a:t>
+              <a:t>11/2/2019</a:t>
             </a:fld>
             <a:endParaRPr lang="en-US"/>
           </a:p>
@@ -1389,7 +1390,7 @@
           <a:p>
             <a:fld id="{73C487FA-A9A8-4016-AD9D-9097715CEE64}" type="datetimeFigureOut">
               <a:rPr lang="en-US" smtClean="0"/>
-              <a:t>9/20/2018</a:t>
+              <a:t>11/2/2019</a:t>
             </a:fld>
             <a:endParaRPr lang="en-US"/>
           </a:p>
@@ -1709,7 +1710,7 @@
           <a:p>
             <a:fld id="{73C487FA-A9A8-4016-AD9D-9097715CEE64}" type="datetimeFigureOut">
               <a:rPr lang="en-US" smtClean="0"/>
-              <a:t>9/20/2018</a:t>
+              <a:t>11/2/2019</a:t>
             </a:fld>
             <a:endParaRPr lang="en-US"/>
           </a:p>
@@ -2105,7 +2106,7 @@
           <a:p>
             <a:fld id="{73C487FA-A9A8-4016-AD9D-9097715CEE64}" type="datetimeFigureOut">
               <a:rPr lang="en-US" smtClean="0"/>
-              <a:t>9/20/2018</a:t>
+              <a:t>11/2/2019</a:t>
             </a:fld>
             <a:endParaRPr lang="en-US"/>
           </a:p>
@@ -2362,7 +2363,7 @@
           <a:p>
             <a:fld id="{73C487FA-A9A8-4016-AD9D-9097715CEE64}" type="datetimeFigureOut">
               <a:rPr lang="en-US" smtClean="0"/>
-              <a:t>9/20/2018</a:t>
+              <a:t>11/2/2019</a:t>
             </a:fld>
             <a:endParaRPr lang="en-US"/>
           </a:p>
@@ -2624,7 +2625,7 @@
           <a:p>
             <a:fld id="{73C487FA-A9A8-4016-AD9D-9097715CEE64}" type="datetimeFigureOut">
               <a:rPr lang="en-US" smtClean="0"/>
-              <a:t>9/20/2018</a:t>
+              <a:t>11/2/2019</a:t>
             </a:fld>
             <a:endParaRPr lang="en-US"/>
           </a:p>
@@ -2886,7 +2887,7 @@
           <a:p>
             <a:fld id="{73C487FA-A9A8-4016-AD9D-9097715CEE64}" type="datetimeFigureOut">
               <a:rPr lang="en-US" smtClean="0"/>
-              <a:t>9/20/2018</a:t>
+              <a:t>11/2/2019</a:t>
             </a:fld>
             <a:endParaRPr lang="en-US"/>
           </a:p>
@@ -3215,7 +3216,7 @@
           <a:p>
             <a:fld id="{73C487FA-A9A8-4016-AD9D-9097715CEE64}" type="datetimeFigureOut">
               <a:rPr lang="en-US" smtClean="0"/>
-              <a:t>9/20/2018</a:t>
+              <a:t>11/2/2019</a:t>
             </a:fld>
             <a:endParaRPr lang="en-US"/>
           </a:p>
@@ -3538,7 +3539,7 @@
           <a:p>
             <a:fld id="{73C487FA-A9A8-4016-AD9D-9097715CEE64}" type="datetimeFigureOut">
               <a:rPr lang="en-US" smtClean="0"/>
-              <a:t>9/20/2018</a:t>
+              <a:t>11/2/2019</a:t>
             </a:fld>
             <a:endParaRPr lang="en-US"/>
           </a:p>
@@ -3995,7 +3996,7 @@
           <a:p>
             <a:fld id="{73C487FA-A9A8-4016-AD9D-9097715CEE64}" type="datetimeFigureOut">
               <a:rPr lang="en-US" smtClean="0"/>
-              <a:t>9/20/2018</a:t>
+              <a:t>11/2/2019</a:t>
             </a:fld>
             <a:endParaRPr lang="en-US"/>
           </a:p>
@@ -4200,7 +4201,7 @@
           <a:p>
             <a:fld id="{73C487FA-A9A8-4016-AD9D-9097715CEE64}" type="datetimeFigureOut">
               <a:rPr lang="en-US" smtClean="0"/>
-              <a:t>9/20/2018</a:t>
+              <a:t>11/2/2019</a:t>
             </a:fld>
             <a:endParaRPr lang="en-US"/>
           </a:p>
@@ -4377,7 +4378,7 @@
           <a:p>
             <a:fld id="{73C487FA-A9A8-4016-AD9D-9097715CEE64}" type="datetimeFigureOut">
               <a:rPr lang="en-US" smtClean="0"/>
-              <a:t>9/20/2018</a:t>
+              <a:t>11/2/2019</a:t>
             </a:fld>
             <a:endParaRPr lang="en-US"/>
           </a:p>
@@ -4710,7 +4711,7 @@
           <a:p>
             <a:fld id="{73C487FA-A9A8-4016-AD9D-9097715CEE64}" type="datetimeFigureOut">
               <a:rPr lang="en-US" smtClean="0"/>
-              <a:t>9/20/2018</a:t>
+              <a:t>11/2/2019</a:t>
             </a:fld>
             <a:endParaRPr lang="en-US"/>
           </a:p>
@@ -5055,7 +5056,7 @@
           <a:p>
             <a:fld id="{73C487FA-A9A8-4016-AD9D-9097715CEE64}" type="datetimeFigureOut">
               <a:rPr lang="en-US" smtClean="0"/>
-              <a:t>9/20/2018</a:t>
+              <a:t>11/2/2019</a:t>
             </a:fld>
             <a:endParaRPr lang="en-US"/>
           </a:p>
@@ -7172,7 +7173,7 @@
           <a:p>
             <a:fld id="{73C487FA-A9A8-4016-AD9D-9097715CEE64}" type="datetimeFigureOut">
               <a:rPr lang="en-US" smtClean="0"/>
-              <a:t>9/20/2018</a:t>
+              <a:t>11/2/2019</a:t>
             </a:fld>
             <a:endParaRPr lang="en-US"/>
           </a:p>
@@ -7805,94 +7806,101 @@
               <a:buNone/>
             </a:pPr>
             <a:r>
-              <a:rPr lang="en-US" sz="2400" b="1" dirty="0"/>
+              <a:rPr lang="en-US" sz="2800" b="1" dirty="0"/>
               <a:t>&lt;</a:t>
             </a:r>
             <a:r>
-              <a:rPr lang="en-US" sz="2400" b="1" dirty="0" err="1"/>
+              <a:rPr lang="en-US" sz="2800" b="1" dirty="0" err="1"/>
               <a:t>img</a:t>
             </a:r>
             <a:r>
-              <a:rPr lang="en-US" sz="2400" b="1" dirty="0"/>
+              <a:rPr lang="en-US" sz="2800" b="1" dirty="0"/>
               <a:t> id=“image” </a:t>
             </a:r>
             <a:r>
-              <a:rPr lang="en-US" sz="2400" b="1" dirty="0" err="1"/>
+              <a:rPr lang="en-US" sz="2800" b="1" dirty="0" err="1"/>
               <a:t>src</a:t>
             </a:r>
             <a:r>
-              <a:rPr lang="en-US" sz="2400" b="1" dirty="0"/>
+              <a:rPr lang="en-US" sz="2800" b="1" dirty="0"/>
               <a:t>=“apple.jpg" alt=“Apple" height="42" width="42"&gt;</a:t>
             </a:r>
             <a:br>
-              <a:rPr lang="en-US" sz="2400" b="1" dirty="0"/>
+              <a:rPr lang="en-US" sz="2800" b="1" dirty="0"/>
             </a:br>
-            <a:endParaRPr lang="en-US" sz="2400" b="1" dirty="0"/>
-          </a:p>
-          <a:p>
-            <a:r>
-              <a:rPr lang="en-US" sz="2400" b="1" dirty="0"/>
-              <a:t>var list = </a:t>
-            </a:r>
-            <a:r>
-              <a:rPr lang="en-US" sz="2400" b="1" dirty="0" err="1"/>
-              <a:t>document.getElementById</a:t>
-            </a:r>
-            <a:r>
-              <a:rPr lang="en-US" sz="2400" b="1" dirty="0"/>
-              <a:t>(“image").attributes; </a:t>
+            <a:endParaRPr lang="en-US" sz="2800" b="1" dirty="0"/>
+          </a:p>
+          <a:p>
+            <a:r>
+              <a:rPr lang="en-US" sz="2800" b="1" dirty="0"/>
+              <a:t>var </a:t>
+            </a:r>
+            <a:r>
+              <a:rPr lang="en-US" sz="2800" b="1" dirty="0" err="1"/>
+              <a:t>hasHeight</a:t>
+            </a:r>
+            <a:r>
+              <a:rPr lang="en-US" sz="2800" b="1" dirty="0"/>
+              <a:t> = </a:t>
+            </a:r>
+            <a:r>
+              <a:rPr lang="en-US" sz="2800" b="1" dirty="0" err="1"/>
+              <a:t>image.hasAttribute</a:t>
+            </a:r>
+            <a:r>
+              <a:rPr lang="en-US" sz="2800" b="1" dirty="0"/>
+              <a:t>(“height"); </a:t>
             </a:r>
             <a:br>
-              <a:rPr lang="en-US" sz="2400" b="1" dirty="0"/>
+              <a:rPr lang="en-US" sz="2800" b="1" dirty="0"/>
             </a:br>
-            <a:endParaRPr lang="en-US" sz="2400" b="1" dirty="0"/>
-          </a:p>
-          <a:p>
-            <a:r>
-              <a:rPr lang="nn-NO" sz="2400" b="1" dirty="0"/>
-              <a:t>var nName = list[2].nodeName; </a:t>
-            </a:r>
-          </a:p>
-          <a:p>
-            <a:endParaRPr lang="nn-NO" sz="2400" b="1" dirty="0"/>
-          </a:p>
-          <a:p>
-            <a:r>
-              <a:rPr lang="en-US" sz="2400" b="1" dirty="0"/>
+            <a:endParaRPr lang="en-US" sz="2800" b="1" dirty="0"/>
+          </a:p>
+          <a:p>
+            <a:r>
+              <a:rPr lang="en-US" sz="2800" b="1" dirty="0"/>
               <a:t>var </a:t>
             </a:r>
             <a:r>
-              <a:rPr lang="en-US" sz="2400" b="1" dirty="0" err="1"/>
-              <a:t>nValue</a:t>
-            </a:r>
-            <a:r>
-              <a:rPr lang="en-US" sz="2400" b="1" dirty="0"/>
-              <a:t> = list[2].</a:t>
-            </a:r>
-            <a:r>
-              <a:rPr lang="en-US" sz="2400" b="1" dirty="0" err="1"/>
-              <a:t>nodeValue</a:t>
-            </a:r>
-            <a:r>
-              <a:rPr lang="en-US" sz="2400" b="1" dirty="0"/>
-              <a:t>; </a:t>
+              <a:rPr lang="en-US" sz="2800" b="1" dirty="0" err="1"/>
+              <a:t>attVal</a:t>
+            </a:r>
+            <a:r>
+              <a:rPr lang="en-US" sz="2800" b="1" dirty="0"/>
+              <a:t> = </a:t>
+            </a:r>
+            <a:r>
+              <a:rPr lang="en-US" sz="2800" b="1" dirty="0" err="1"/>
+              <a:t>image.getAttribute</a:t>
+            </a:r>
+            <a:r>
+              <a:rPr lang="en-US" sz="2800" b="1" dirty="0"/>
+              <a:t>("height"); </a:t>
             </a:r>
             <a:br>
-              <a:rPr lang="en-US" sz="2400" b="1" dirty="0"/>
+              <a:rPr lang="en-US" sz="2800" b="1" dirty="0"/>
+            </a:br>
+            <a:endParaRPr lang="en-US" sz="2800" b="1" dirty="0"/>
+          </a:p>
+          <a:p>
+            <a:r>
+              <a:rPr lang="en-US" sz="2800" b="1" dirty="0" err="1"/>
+              <a:t>image.setAttribute</a:t>
+            </a:r>
+            <a:r>
+              <a:rPr lang="en-US" sz="2800" b="1" dirty="0"/>
+              <a:t>(“height, “100"); </a:t>
+            </a:r>
+            <a:br>
+              <a:rPr lang="en-US" sz="2800" b="1" dirty="0"/>
             </a:br>
             <a:br>
-              <a:rPr lang="nn-NO" sz="2400" b="1" dirty="0"/>
+              <a:rPr lang="en-US" sz="2800" b="1" dirty="0"/>
             </a:br>
-            <a:br>
-              <a:rPr lang="en-US" sz="2400" b="1" dirty="0"/>
-            </a:br>
-            <a:br>
-              <a:rPr lang="en-US" sz="2400" b="1" dirty="0"/>
-            </a:br>
-            <a:endParaRPr lang="en-US" sz="2400" b="1" dirty="0"/>
-          </a:p>
-          <a:p>
-            <a:endParaRPr lang="en-US" sz="2400" b="1" dirty="0"/>
+            <a:endParaRPr lang="en-US" sz="2800" b="1" dirty="0"/>
+          </a:p>
+          <a:p>
+            <a:endParaRPr lang="en-US" sz="2800" b="1" dirty="0"/>
           </a:p>
         </p:txBody>
       </p:sp>
@@ -7928,7 +7936,7 @@
     </p:spTree>
     <p:extLst>
       <p:ext uri="{BB962C8B-B14F-4D97-AF65-F5344CB8AC3E}">
-        <p14:creationId xmlns:p14="http://schemas.microsoft.com/office/powerpoint/2010/main" val="3536963172"/>
+        <p14:creationId xmlns:p14="http://schemas.microsoft.com/office/powerpoint/2010/main" val="3346381357"/>
       </p:ext>
     </p:extLst>
   </p:cSld>
@@ -7979,7 +7987,7 @@
           <a:p>
             <a:r>
               <a:rPr lang="en-US" dirty="0"/>
-              <a:t>The DOM: Adding Nodes</a:t>
+              <a:t>The DOM: Attributes</a:t>
             </a:r>
           </a:p>
         </p:txBody>
@@ -7996,8 +8004,8 @@
         </p:nvSpPr>
         <p:spPr>
           <a:xfrm>
-            <a:off x="1773382" y="2036618"/>
-            <a:ext cx="10590212" cy="3740727"/>
+            <a:off x="2589212" y="1759528"/>
+            <a:ext cx="8915400" cy="4558145"/>
           </a:xfrm>
         </p:spPr>
         <p:txBody>
@@ -8011,137 +8019,93 @@
             </a:pPr>
             <a:r>
               <a:rPr lang="en-US" sz="2400" b="1" dirty="0"/>
-              <a:t>var </a:t>
+              <a:t>&lt;</a:t>
             </a:r>
             <a:r>
               <a:rPr lang="en-US" sz="2400" b="1" dirty="0" err="1"/>
-              <a:t>newParagraph</a:t>
+              <a:t>img</a:t>
             </a:r>
             <a:r>
               <a:rPr lang="en-US" sz="2400" b="1" dirty="0"/>
-              <a:t> = </a:t>
+              <a:t> id=“image” </a:t>
             </a:r>
             <a:r>
               <a:rPr lang="en-US" sz="2400" b="1" dirty="0" err="1"/>
-              <a:t>document.createElement</a:t>
+              <a:t>src</a:t>
             </a:r>
             <a:r>
               <a:rPr lang="en-US" sz="2400" b="1" dirty="0"/>
-              <a:t>("p");</a:t>
-            </a:r>
-          </a:p>
-          <a:p>
-            <a:pPr marL="0" indent="0">
-              <a:buNone/>
-            </a:pPr>
+              <a:t>=“apple.jpg" alt=“Apple" height="42" width="42"&gt;</a:t>
+            </a:r>
+            <a:br>
+              <a:rPr lang="en-US" sz="2400" b="1" dirty="0"/>
+            </a:br>
+            <a:endParaRPr lang="en-US" sz="2400" b="1" dirty="0"/>
+          </a:p>
+          <a:p>
+            <a:r>
+              <a:rPr lang="en-US" sz="2400" b="1" dirty="0"/>
+              <a:t>var list = </a:t>
+            </a:r>
+            <a:r>
+              <a:rPr lang="en-US" sz="2400" b="1" dirty="0" err="1"/>
+              <a:t>document.getElementById</a:t>
+            </a:r>
+            <a:r>
+              <a:rPr lang="en-US" sz="2400" b="1" dirty="0"/>
+              <a:t>(“image").attributes; </a:t>
+            </a:r>
+            <a:br>
+              <a:rPr lang="en-US" sz="2400" b="1" dirty="0"/>
+            </a:br>
+            <a:endParaRPr lang="en-US" sz="2400" b="1" dirty="0"/>
+          </a:p>
+          <a:p>
+            <a:r>
+              <a:rPr lang="nn-NO" sz="2400" b="1" dirty="0"/>
+              <a:t>var nName = list[2].nodeName; </a:t>
+            </a:r>
+          </a:p>
+          <a:p>
+            <a:endParaRPr lang="nn-NO" sz="2400" b="1" dirty="0"/>
+          </a:p>
+          <a:p>
             <a:r>
               <a:rPr lang="en-US" sz="2400" b="1" dirty="0"/>
               <a:t>var </a:t>
             </a:r>
             <a:r>
               <a:rPr lang="en-US" sz="2400" b="1" dirty="0" err="1"/>
-              <a:t>newTxt</a:t>
+              <a:t>nValue</a:t>
             </a:r>
             <a:r>
               <a:rPr lang="en-US" sz="2400" b="1" dirty="0"/>
-              <a:t> = </a:t>
+              <a:t> = list[2].</a:t>
             </a:r>
             <a:r>
               <a:rPr lang="en-US" sz="2400" b="1" dirty="0" err="1"/>
-              <a:t>document.createTextNode</a:t>
+              <a:t>nodeValue</a:t>
             </a:r>
             <a:r>
               <a:rPr lang="en-US" sz="2400" b="1" dirty="0"/>
-              <a:t>("Hello!"); </a:t>
-            </a:r>
-          </a:p>
-          <a:p>
-            <a:pPr marL="0" indent="0">
-              <a:buNone/>
-            </a:pPr>
-            <a:r>
-              <a:rPr lang="en-US" sz="2400" b="1" dirty="0" err="1"/>
-              <a:t>newParagraph.appendChild</a:t>
-            </a:r>
-            <a:r>
+              <a:t>; </a:t>
+            </a:r>
+            <a:br>
               <a:rPr lang="en-US" sz="2400" b="1" dirty="0"/>
-              <a:t>(</a:t>
-            </a:r>
-            <a:r>
-              <a:rPr lang="en-US" sz="2400" b="1" dirty="0" err="1"/>
-              <a:t>newTxt</a:t>
-            </a:r>
-            <a:r>
+            </a:br>
+            <a:br>
+              <a:rPr lang="nn-NO" sz="2400" b="1" dirty="0"/>
+            </a:br>
+            <a:br>
               <a:rPr lang="en-US" sz="2400" b="1" dirty="0"/>
-              <a:t>); </a:t>
-            </a:r>
-          </a:p>
-          <a:p>
-            <a:pPr marL="0" indent="0">
-              <a:buNone/>
-            </a:pPr>
-            <a:r>
-              <a:rPr lang="en-US" sz="2400" b="1" dirty="0" err="1"/>
-              <a:t>newParagraph.setAttribute</a:t>
-            </a:r>
-            <a:r>
+            </a:br>
+            <a:br>
               <a:rPr lang="en-US" sz="2400" b="1" dirty="0"/>
-              <a:t>("class", "regular");</a:t>
-            </a:r>
-          </a:p>
-          <a:p>
-            <a:pPr marL="0" indent="0">
-              <a:buNone/>
-            </a:pPr>
-            <a:r>
-              <a:rPr lang="en-US" sz="2400" b="1" dirty="0"/>
-              <a:t>var </a:t>
-            </a:r>
-            <a:r>
-              <a:rPr lang="en-US" sz="2400" b="1" dirty="0" err="1"/>
-              <a:t>moreParagraphs</a:t>
-            </a:r>
-            <a:r>
-              <a:rPr lang="en-US" sz="2400" b="1" dirty="0"/>
-              <a:t> = </a:t>
-            </a:r>
-            <a:r>
-              <a:rPr lang="en-US" sz="2400" b="1" dirty="0" err="1"/>
-              <a:t>document.getElementById</a:t>
-            </a:r>
-            <a:r>
-              <a:rPr lang="en-US" sz="2400" b="1" dirty="0"/>
-              <a:t>('</a:t>
-            </a:r>
-            <a:r>
-              <a:rPr lang="en-US" sz="2400" b="1" dirty="0" err="1"/>
-              <a:t>moreParagraphs</a:t>
-            </a:r>
-            <a:r>
-              <a:rPr lang="en-US" sz="2400" b="1" dirty="0"/>
-              <a:t>');</a:t>
-            </a:r>
-          </a:p>
-          <a:p>
-            <a:pPr marL="0" indent="0">
-              <a:buNone/>
-            </a:pPr>
-            <a:r>
-              <a:rPr lang="en-US" sz="2400" b="1" dirty="0" err="1"/>
-              <a:t>moreParagraphs.appendChild</a:t>
-            </a:r>
-            <a:r>
-              <a:rPr lang="en-US" sz="2400" b="1" dirty="0"/>
-              <a:t>(</a:t>
-            </a:r>
-            <a:r>
-              <a:rPr lang="en-US" sz="2400" b="1" dirty="0" err="1"/>
-              <a:t>newParagraph</a:t>
-            </a:r>
-            <a:r>
-              <a:rPr lang="en-US" sz="2400" b="1" dirty="0"/>
-              <a:t>);</a:t>
-            </a:r>
+            </a:br>
+            <a:endParaRPr lang="en-US" sz="2400" b="1" dirty="0"/>
+          </a:p>
+          <a:p>
+            <a:endParaRPr lang="en-US" sz="2400" b="1" dirty="0"/>
           </a:p>
         </p:txBody>
       </p:sp>
@@ -8177,7 +8141,7 @@
     </p:spTree>
     <p:extLst>
       <p:ext uri="{BB962C8B-B14F-4D97-AF65-F5344CB8AC3E}">
-        <p14:creationId xmlns:p14="http://schemas.microsoft.com/office/powerpoint/2010/main" val="4107718461"/>
+        <p14:creationId xmlns:p14="http://schemas.microsoft.com/office/powerpoint/2010/main" val="3536963172"/>
       </p:ext>
     </p:extLst>
   </p:cSld>
@@ -8228,7 +8192,7 @@
           <a:p>
             <a:r>
               <a:rPr lang="en-US" dirty="0"/>
-              <a:t>The DOM: Inserting Nodes</a:t>
+              <a:t>The DOM: Adding Nodes</a:t>
             </a:r>
           </a:p>
         </p:txBody>
@@ -8245,8 +8209,8 @@
         </p:nvSpPr>
         <p:spPr>
           <a:xfrm>
-            <a:off x="1136073" y="2105891"/>
-            <a:ext cx="11055928" cy="3394364"/>
+            <a:off x="1773382" y="2036618"/>
+            <a:ext cx="10590212" cy="3740727"/>
           </a:xfrm>
         </p:spPr>
         <p:txBody>
@@ -8377,7 +8341,7 @@
             </a:pPr>
             <a:r>
               <a:rPr lang="en-US" sz="2400" b="1" dirty="0" err="1"/>
-              <a:t>moreParagraphs.insertBefore</a:t>
+              <a:t>moreParagraphs.appendChild</a:t>
             </a:r>
             <a:r>
               <a:rPr lang="en-US" sz="2400" b="1" dirty="0"/>
@@ -8386,14 +8350,6 @@
             <a:r>
               <a:rPr lang="en-US" sz="2400" b="1" dirty="0" err="1"/>
               <a:t>newParagraph</a:t>
-            </a:r>
-            <a:r>
-              <a:rPr lang="en-US" sz="2400" b="1" dirty="0"/>
-              <a:t>, </a:t>
-            </a:r>
-            <a:r>
-              <a:rPr lang="en-US" sz="2400" b="1" dirty="0" err="1"/>
-              <a:t>moreParagraphs.firstChild</a:t>
             </a:r>
             <a:r>
               <a:rPr lang="en-US" sz="2400" b="1" dirty="0"/>
@@ -8434,7 +8390,7 @@
     </p:spTree>
     <p:extLst>
       <p:ext uri="{BB962C8B-B14F-4D97-AF65-F5344CB8AC3E}">
-        <p14:creationId xmlns:p14="http://schemas.microsoft.com/office/powerpoint/2010/main" val="2015399155"/>
+        <p14:creationId xmlns:p14="http://schemas.microsoft.com/office/powerpoint/2010/main" val="4107718461"/>
       </p:ext>
     </p:extLst>
   </p:cSld>
@@ -8485,7 +8441,7 @@
           <a:p>
             <a:r>
               <a:rPr lang="en-US" dirty="0"/>
-              <a:t>The DOM: Removing Nodes</a:t>
+              <a:t>The DOM: Inserting Nodes</a:t>
             </a:r>
           </a:p>
         </p:txBody>
@@ -8502,8 +8458,8 @@
         </p:nvSpPr>
         <p:spPr>
           <a:xfrm>
-            <a:off x="1482437" y="3782291"/>
-            <a:ext cx="11055928" cy="1870364"/>
+            <a:off x="1136073" y="2105891"/>
+            <a:ext cx="11055928" cy="3394364"/>
           </a:xfrm>
         </p:spPr>
         <p:txBody>
@@ -8521,7 +8477,7 @@
             </a:r>
             <a:r>
               <a:rPr lang="en-US" sz="2400" b="1" dirty="0" err="1"/>
-              <a:t>moreParagraphs</a:t>
+              <a:t>newParagraph</a:t>
             </a:r>
             <a:r>
               <a:rPr lang="en-US" sz="2400" b="1" dirty="0"/>
@@ -8529,6 +8485,90 @@
             </a:r>
             <a:r>
               <a:rPr lang="en-US" sz="2400" b="1" dirty="0" err="1"/>
+              <a:t>document.createElement</a:t>
+            </a:r>
+            <a:r>
+              <a:rPr lang="en-US" sz="2400" b="1" dirty="0"/>
+              <a:t>("p");</a:t>
+            </a:r>
+          </a:p>
+          <a:p>
+            <a:pPr marL="0" indent="0">
+              <a:buNone/>
+            </a:pPr>
+            <a:r>
+              <a:rPr lang="en-US" sz="2400" b="1" dirty="0"/>
+              <a:t>var </a:t>
+            </a:r>
+            <a:r>
+              <a:rPr lang="en-US" sz="2400" b="1" dirty="0" err="1"/>
+              <a:t>newTxt</a:t>
+            </a:r>
+            <a:r>
+              <a:rPr lang="en-US" sz="2400" b="1" dirty="0"/>
+              <a:t> = </a:t>
+            </a:r>
+            <a:r>
+              <a:rPr lang="en-US" sz="2400" b="1" dirty="0" err="1"/>
+              <a:t>document.createTextNode</a:t>
+            </a:r>
+            <a:r>
+              <a:rPr lang="en-US" sz="2400" b="1" dirty="0"/>
+              <a:t>("Hello!"); </a:t>
+            </a:r>
+          </a:p>
+          <a:p>
+            <a:pPr marL="0" indent="0">
+              <a:buNone/>
+            </a:pPr>
+            <a:r>
+              <a:rPr lang="en-US" sz="2400" b="1" dirty="0" err="1"/>
+              <a:t>newParagraph.appendChild</a:t>
+            </a:r>
+            <a:r>
+              <a:rPr lang="en-US" sz="2400" b="1" dirty="0"/>
+              <a:t>(</a:t>
+            </a:r>
+            <a:r>
+              <a:rPr lang="en-US" sz="2400" b="1" dirty="0" err="1"/>
+              <a:t>newTxt</a:t>
+            </a:r>
+            <a:r>
+              <a:rPr lang="en-US" sz="2400" b="1" dirty="0"/>
+              <a:t>); </a:t>
+            </a:r>
+          </a:p>
+          <a:p>
+            <a:pPr marL="0" indent="0">
+              <a:buNone/>
+            </a:pPr>
+            <a:r>
+              <a:rPr lang="en-US" sz="2400" b="1" dirty="0" err="1"/>
+              <a:t>newParagraph.setAttribute</a:t>
+            </a:r>
+            <a:r>
+              <a:rPr lang="en-US" sz="2400" b="1" dirty="0"/>
+              <a:t>("class", "regular");</a:t>
+            </a:r>
+          </a:p>
+          <a:p>
+            <a:pPr marL="0" indent="0">
+              <a:buNone/>
+            </a:pPr>
+            <a:r>
+              <a:rPr lang="en-US" sz="2400" b="1" dirty="0"/>
+              <a:t>var </a:t>
+            </a:r>
+            <a:r>
+              <a:rPr lang="en-US" sz="2400" b="1" dirty="0" err="1"/>
+              <a:t>moreParagraphs</a:t>
+            </a:r>
+            <a:r>
+              <a:rPr lang="en-US" sz="2400" b="1" dirty="0"/>
+              <a:t> = </a:t>
+            </a:r>
+            <a:r>
+              <a:rPr lang="en-US" sz="2400" b="1" dirty="0" err="1"/>
               <a:t>document.getElementById</a:t>
             </a:r>
             <a:r>
@@ -8550,11 +8590,19 @@
             </a:pPr>
             <a:r>
               <a:rPr lang="en-US" sz="2400" b="1" dirty="0" err="1"/>
-              <a:t>moreParagraphs.removeChild</a:t>
+              <a:t>moreParagraphs.insertBefore</a:t>
             </a:r>
             <a:r>
               <a:rPr lang="en-US" sz="2400" b="1" dirty="0"/>
               <a:t>(</a:t>
+            </a:r>
+            <a:r>
+              <a:rPr lang="en-US" sz="2400" b="1" dirty="0" err="1"/>
+              <a:t>newParagraph</a:t>
+            </a:r>
+            <a:r>
+              <a:rPr lang="en-US" sz="2400" b="1" dirty="0"/>
+              <a:t>, </a:t>
             </a:r>
             <a:r>
               <a:rPr lang="en-US" sz="2400" b="1" dirty="0" err="1"/>
@@ -8599,7 +8647,7 @@
     </p:spTree>
     <p:extLst>
       <p:ext uri="{BB962C8B-B14F-4D97-AF65-F5344CB8AC3E}">
-        <p14:creationId xmlns:p14="http://schemas.microsoft.com/office/powerpoint/2010/main" val="4065119744"/>
+        <p14:creationId xmlns:p14="http://schemas.microsoft.com/office/powerpoint/2010/main" val="2015399155"/>
       </p:ext>
     </p:extLst>
   </p:cSld>
@@ -8638,6 +8686,171 @@
         </p:nvSpPr>
         <p:spPr>
           <a:xfrm>
+            <a:off x="2592925" y="430142"/>
+            <a:ext cx="8911687" cy="719781"/>
+          </a:xfrm>
+        </p:spPr>
+        <p:txBody>
+          <a:bodyPr>
+            <a:normAutofit/>
+          </a:bodyPr>
+          <a:lstStyle/>
+          <a:p>
+            <a:r>
+              <a:rPr lang="en-US" dirty="0"/>
+              <a:t>The DOM: Removing Nodes</a:t>
+            </a:r>
+          </a:p>
+        </p:txBody>
+      </p:sp>
+      <p:sp>
+        <p:nvSpPr>
+          <p:cNvPr id="3" name="Content Placeholder 2"/>
+          <p:cNvSpPr>
+            <a:spLocks noGrp="1"/>
+          </p:cNvSpPr>
+          <p:nvPr>
+            <p:ph idx="1"/>
+          </p:nvPr>
+        </p:nvSpPr>
+        <p:spPr>
+          <a:xfrm>
+            <a:off x="1482437" y="3782291"/>
+            <a:ext cx="11055928" cy="1870364"/>
+          </a:xfrm>
+        </p:spPr>
+        <p:txBody>
+          <a:bodyPr>
+            <a:noAutofit/>
+          </a:bodyPr>
+          <a:lstStyle/>
+          <a:p>
+            <a:pPr marL="0" indent="0">
+              <a:buNone/>
+            </a:pPr>
+            <a:r>
+              <a:rPr lang="en-US" sz="2400" b="1" dirty="0"/>
+              <a:t>var </a:t>
+            </a:r>
+            <a:r>
+              <a:rPr lang="en-US" sz="2400" b="1" dirty="0" err="1"/>
+              <a:t>moreParagraphs</a:t>
+            </a:r>
+            <a:r>
+              <a:rPr lang="en-US" sz="2400" b="1" dirty="0"/>
+              <a:t> = </a:t>
+            </a:r>
+            <a:r>
+              <a:rPr lang="en-US" sz="2400" b="1" dirty="0" err="1"/>
+              <a:t>document.getElementById</a:t>
+            </a:r>
+            <a:r>
+              <a:rPr lang="en-US" sz="2400" b="1" dirty="0"/>
+              <a:t>('</a:t>
+            </a:r>
+            <a:r>
+              <a:rPr lang="en-US" sz="2400" b="1" dirty="0" err="1"/>
+              <a:t>moreParagraphs</a:t>
+            </a:r>
+            <a:r>
+              <a:rPr lang="en-US" sz="2400" b="1" dirty="0"/>
+              <a:t>');</a:t>
+            </a:r>
+          </a:p>
+          <a:p>
+            <a:pPr marL="0" indent="0">
+              <a:buNone/>
+            </a:pPr>
+            <a:r>
+              <a:rPr lang="en-US" sz="2400" b="1" dirty="0" err="1"/>
+              <a:t>moreParagraphs.removeChild</a:t>
+            </a:r>
+            <a:r>
+              <a:rPr lang="en-US" sz="2400" b="1" dirty="0"/>
+              <a:t>(</a:t>
+            </a:r>
+            <a:r>
+              <a:rPr lang="en-US" sz="2400" b="1" dirty="0" err="1"/>
+              <a:t>moreParagraphs.firstChild</a:t>
+            </a:r>
+            <a:r>
+              <a:rPr lang="en-US" sz="2400" b="1" dirty="0"/>
+              <a:t>);</a:t>
+            </a:r>
+          </a:p>
+        </p:txBody>
+      </p:sp>
+      <p:sp>
+        <p:nvSpPr>
+          <p:cNvPr id="4" name="TextBox 3"/>
+          <p:cNvSpPr txBox="1"/>
+          <p:nvPr/>
+        </p:nvSpPr>
+        <p:spPr>
+          <a:xfrm>
+            <a:off x="9041779" y="6488668"/>
+            <a:ext cx="3150221" cy="369332"/>
+          </a:xfrm>
+          <a:prstGeom prst="rect">
+            <a:avLst/>
+          </a:prstGeom>
+          <a:noFill/>
+        </p:spPr>
+        <p:txBody>
+          <a:bodyPr wrap="none" rtlCol="0">
+            <a:spAutoFit/>
+          </a:bodyPr>
+          <a:lstStyle/>
+          <a:p>
+            <a:r>
+              <a:rPr lang="en-US" dirty="0"/>
+              <a:t>Muhammad Umar Ahmad</a:t>
+            </a:r>
+          </a:p>
+        </p:txBody>
+      </p:sp>
+    </p:spTree>
+    <p:extLst>
+      <p:ext uri="{BB962C8B-B14F-4D97-AF65-F5344CB8AC3E}">
+        <p14:creationId xmlns:p14="http://schemas.microsoft.com/office/powerpoint/2010/main" val="4065119744"/>
+      </p:ext>
+    </p:extLst>
+  </p:cSld>
+  <p:clrMapOvr>
+    <a:masterClrMapping/>
+  </p:clrMapOvr>
+</p:sld>
+</file>
+
+<file path=ppt/slides/slide15.xml><?xml version="1.0" encoding="utf-8"?>
+<p:sld xmlns:a="http://schemas.openxmlformats.org/drawingml/2006/main" xmlns:r="http://schemas.openxmlformats.org/officeDocument/2006/relationships" xmlns:p="http://schemas.openxmlformats.org/presentationml/2006/main">
+  <p:cSld>
+    <p:spTree>
+      <p:nvGrpSpPr>
+        <p:cNvPr id="1" name=""/>
+        <p:cNvGrpSpPr/>
+        <p:nvPr/>
+      </p:nvGrpSpPr>
+      <p:grpSpPr>
+        <a:xfrm>
+          <a:off x="0" y="0"/>
+          <a:ext cx="0" cy="0"/>
+          <a:chOff x="0" y="0"/>
+          <a:chExt cx="0" cy="0"/>
+        </a:xfrm>
+      </p:grpSpPr>
+      <p:sp>
+        <p:nvSpPr>
+          <p:cNvPr id="2" name="Title 1"/>
+          <p:cNvSpPr>
+            <a:spLocks noGrp="1"/>
+          </p:cNvSpPr>
+          <p:nvPr>
+            <p:ph type="title"/>
+          </p:nvPr>
+        </p:nvSpPr>
+        <p:spPr>
+          <a:xfrm>
             <a:off x="2592925" y="624110"/>
             <a:ext cx="8911687" cy="932044"/>
           </a:xfrm>
@@ -8740,7 +8953,7 @@
 </p:sld>
 </file>
 
-<file path=ppt/slides/slide15.xml><?xml version="1.0" encoding="utf-8"?>
+<file path=ppt/slides/slide16.xml><?xml version="1.0" encoding="utf-8"?>
 <p:sld xmlns:a="http://schemas.openxmlformats.org/drawingml/2006/main" xmlns:r="http://schemas.openxmlformats.org/officeDocument/2006/relationships" xmlns:p="http://schemas.openxmlformats.org/presentationml/2006/main">
   <p:cSld>
     <p:spTree>
@@ -8845,83 +9058,40 @@
           <a:chExt cx="0" cy="0"/>
         </a:xfrm>
       </p:grpSpPr>
-      <p:sp>
-        <p:nvSpPr>
-          <p:cNvPr id="2" name="Title 1"/>
-          <p:cNvSpPr>
-            <a:spLocks noGrp="1"/>
-          </p:cNvSpPr>
-          <p:nvPr>
-            <p:ph type="ctrTitle"/>
-          </p:nvPr>
-        </p:nvSpPr>
-        <p:spPr/>
-        <p:txBody>
-          <a:bodyPr/>
-          <a:lstStyle/>
-          <a:p>
-            <a:r>
-              <a:rPr lang="en-US" dirty="0"/>
-              <a:t>JavaScript</a:t>
-            </a:r>
-          </a:p>
-        </p:txBody>
-      </p:sp>
-      <p:sp>
-        <p:nvSpPr>
-          <p:cNvPr id="3" name="Subtitle 2"/>
-          <p:cNvSpPr>
-            <a:spLocks noGrp="1"/>
-          </p:cNvSpPr>
-          <p:nvPr>
-            <p:ph type="subTitle" idx="1"/>
-          </p:nvPr>
-        </p:nvSpPr>
-        <p:spPr/>
-        <p:txBody>
-          <a:bodyPr/>
-          <a:lstStyle/>
-          <a:p>
-            <a:r>
-              <a:rPr lang="en-US" dirty="0"/>
-              <a:t>The DOM – Document Object Model</a:t>
-            </a:r>
-          </a:p>
-        </p:txBody>
-      </p:sp>
-      <p:sp>
-        <p:nvSpPr>
-          <p:cNvPr id="4" name="TextBox 3"/>
-          <p:cNvSpPr txBox="1"/>
+      <p:pic>
+        <p:nvPicPr>
+          <p:cNvPr id="3" name="Picture 2">
+            <a:extLst>
+              <a:ext uri="{FF2B5EF4-FFF2-40B4-BE49-F238E27FC236}">
+                <a16:creationId xmlns:a16="http://schemas.microsoft.com/office/drawing/2014/main" id="{205D7A7A-6207-42EC-8291-19576B882566}"/>
+              </a:ext>
+            </a:extLst>
+          </p:cNvPr>
+          <p:cNvPicPr>
+            <a:picLocks noChangeAspect="1"/>
+          </p:cNvPicPr>
           <p:nvPr/>
-        </p:nvSpPr>
+        </p:nvPicPr>
+        <p:blipFill>
+          <a:blip r:embed="rId2"/>
+          <a:stretch>
+            <a:fillRect/>
+          </a:stretch>
+        </p:blipFill>
         <p:spPr>
           <a:xfrm>
-            <a:off x="9041779" y="6488668"/>
-            <a:ext cx="3150221" cy="369332"/>
+            <a:off x="2188270" y="1497330"/>
+            <a:ext cx="10003730" cy="4226576"/>
           </a:xfrm>
           <a:prstGeom prst="rect">
             <a:avLst/>
           </a:prstGeom>
-          <a:noFill/>
-        </p:spPr>
-        <p:txBody>
-          <a:bodyPr wrap="none" rtlCol="0">
-            <a:spAutoFit/>
-          </a:bodyPr>
-          <a:lstStyle/>
-          <a:p>
-            <a:r>
-              <a:rPr lang="en-US" dirty="0"/>
-              <a:t>Muhammad Umar Ahmad</a:t>
-            </a:r>
-          </a:p>
-        </p:txBody>
-      </p:sp>
+        </p:spPr>
+      </p:pic>
     </p:spTree>
     <p:extLst>
       <p:ext uri="{BB962C8B-B14F-4D97-AF65-F5344CB8AC3E}">
-        <p14:creationId xmlns:p14="http://schemas.microsoft.com/office/powerpoint/2010/main" val="2805194307"/>
+        <p14:creationId xmlns:p14="http://schemas.microsoft.com/office/powerpoint/2010/main" val="2157762868"/>
       </p:ext>
     </p:extLst>
   </p:cSld>
@@ -8955,77 +9125,39 @@
             <a:spLocks noGrp="1"/>
           </p:cNvSpPr>
           <p:nvPr>
-            <p:ph type="title"/>
-          </p:nvPr>
-        </p:nvSpPr>
-        <p:spPr>
-          <a:xfrm>
-            <a:off x="2592925" y="624110"/>
-            <a:ext cx="8911687" cy="932044"/>
-          </a:xfrm>
-        </p:spPr>
-        <p:txBody>
-          <a:bodyPr>
-            <a:normAutofit/>
-          </a:bodyPr>
+            <p:ph type="ctrTitle"/>
+          </p:nvPr>
+        </p:nvSpPr>
+        <p:spPr/>
+        <p:txBody>
+          <a:bodyPr/>
           <a:lstStyle/>
           <a:p>
             <a:r>
               <a:rPr lang="en-US" dirty="0"/>
-              <a:t>DOM - Document Object Model</a:t>
-            </a:r>
-          </a:p>
-        </p:txBody>
-      </p:sp>
-      <p:sp>
-        <p:nvSpPr>
-          <p:cNvPr id="3" name="Content Placeholder 2"/>
-          <p:cNvSpPr>
-            <a:spLocks noGrp="1"/>
-          </p:cNvSpPr>
-          <p:nvPr>
-            <p:ph idx="1"/>
-          </p:nvPr>
-        </p:nvSpPr>
-        <p:spPr>
-          <a:xfrm>
-            <a:off x="2589212" y="1413164"/>
-            <a:ext cx="8915400" cy="4820726"/>
-          </a:xfrm>
-        </p:spPr>
-        <p:txBody>
-          <a:bodyPr>
-            <a:normAutofit/>
-          </a:bodyPr>
-          <a:lstStyle/>
-          <a:p>
-            <a:r>
-              <a:rPr lang="en-US" sz="2400" dirty="0"/>
-              <a:t>The DOM is an organization chart, created automatically by the browser when your web page loads, for the whole web page. </a:t>
-            </a:r>
-          </a:p>
-          <a:p>
-            <a:pPr marL="0" indent="0">
-              <a:buNone/>
-            </a:pPr>
-            <a:endParaRPr lang="en-US" sz="2400" dirty="0"/>
-          </a:p>
-          <a:p>
-            <a:r>
-              <a:rPr lang="en-US" sz="2400" dirty="0"/>
-              <a:t>All the things on your web page—the tags, the text blocks, the images, the links, the tables, the style attributes, and more—have spots on this organization chart</a:t>
-            </a:r>
-          </a:p>
-          <a:p>
-            <a:pPr marL="0" indent="0">
-              <a:buNone/>
-            </a:pPr>
-            <a:endParaRPr lang="en-US" sz="2400" dirty="0"/>
-          </a:p>
-          <a:p>
-            <a:r>
-              <a:rPr lang="en-US" sz="2400" dirty="0"/>
-              <a:t> In the DOM organization chart, everything represents a node</a:t>
+              <a:t>JavaScript</a:t>
+            </a:r>
+          </a:p>
+        </p:txBody>
+      </p:sp>
+      <p:sp>
+        <p:nvSpPr>
+          <p:cNvPr id="3" name="Subtitle 2"/>
+          <p:cNvSpPr>
+            <a:spLocks noGrp="1"/>
+          </p:cNvSpPr>
+          <p:nvPr>
+            <p:ph type="subTitle" idx="1"/>
+          </p:nvPr>
+        </p:nvSpPr>
+        <p:spPr/>
+        <p:txBody>
+          <a:bodyPr/>
+          <a:lstStyle/>
+          <a:p>
+            <a:r>
+              <a:rPr lang="en-US" dirty="0"/>
+              <a:t>The DOM – Document Object Model</a:t>
             </a:r>
           </a:p>
         </p:txBody>
@@ -9062,7 +9194,7 @@
     </p:spTree>
     <p:extLst>
       <p:ext uri="{BB962C8B-B14F-4D97-AF65-F5344CB8AC3E}">
-        <p14:creationId xmlns:p14="http://schemas.microsoft.com/office/powerpoint/2010/main" val="2990111107"/>
+        <p14:creationId xmlns:p14="http://schemas.microsoft.com/office/powerpoint/2010/main" val="2805194307"/>
       </p:ext>
     </p:extLst>
   </p:cSld>
@@ -9091,13 +9223,7 @@
       </p:grpSpPr>
       <p:sp>
         <p:nvSpPr>
-          <p:cNvPr id="6" name="Title 5">
-            <a:extLst>
-              <a:ext uri="{FF2B5EF4-FFF2-40B4-BE49-F238E27FC236}">
-                <a16:creationId xmlns:a16="http://schemas.microsoft.com/office/drawing/2014/main" id="{DD67A9C4-2206-41B4-8D2D-39F2178102FB}"/>
-              </a:ext>
-            </a:extLst>
-          </p:cNvPr>
+          <p:cNvPr id="2" name="Title 1"/>
           <p:cNvSpPr>
             <a:spLocks noGrp="1"/>
           </p:cNvSpPr>
@@ -9105,58 +9231,111 @@
             <p:ph type="title"/>
           </p:nvPr>
         </p:nvSpPr>
-        <p:spPr/>
-        <p:txBody>
-          <a:bodyPr/>
+        <p:spPr>
+          <a:xfrm>
+            <a:off x="2592925" y="624110"/>
+            <a:ext cx="8911687" cy="932044"/>
+          </a:xfrm>
+        </p:spPr>
+        <p:txBody>
+          <a:bodyPr>
+            <a:normAutofit/>
+          </a:bodyPr>
           <a:lstStyle/>
           <a:p>
             <a:r>
               <a:rPr lang="en-US" dirty="0"/>
               <a:t>DOM - Document Object Model</a:t>
             </a:r>
-            <a:endParaRPr lang="en-PK" dirty="0"/>
-          </a:p>
-        </p:txBody>
-      </p:sp>
-      <p:pic>
-        <p:nvPicPr>
-          <p:cNvPr id="12" name="Content Placeholder 11">
-            <a:extLst>
-              <a:ext uri="{FF2B5EF4-FFF2-40B4-BE49-F238E27FC236}">
-                <a16:creationId xmlns:a16="http://schemas.microsoft.com/office/drawing/2014/main" id="{717F46BA-AC39-47AA-ABDE-B4D97561381D}"/>
-              </a:ext>
-            </a:extLst>
-          </p:cNvPr>
-          <p:cNvPicPr>
-            <a:picLocks noGrp="1" noChangeAspect="1"/>
-          </p:cNvPicPr>
+          </a:p>
+        </p:txBody>
+      </p:sp>
+      <p:sp>
+        <p:nvSpPr>
+          <p:cNvPr id="3" name="Content Placeholder 2"/>
+          <p:cNvSpPr>
+            <a:spLocks noGrp="1"/>
+          </p:cNvSpPr>
           <p:nvPr>
             <p:ph idx="1"/>
           </p:nvPr>
-        </p:nvPicPr>
-        <p:blipFill>
-          <a:blip r:embed="rId2">
-            <a:extLst>
-              <a:ext uri="{28A0092B-C50C-407E-A947-70E740481C1C}">
-                <a14:useLocalDpi xmlns:a14="http://schemas.microsoft.com/office/drawing/2010/main" val="0"/>
-              </a:ext>
-            </a:extLst>
-          </a:blip>
-          <a:stretch>
-            <a:fillRect/>
-          </a:stretch>
-        </p:blipFill>
+        </p:nvSpPr>
         <p:spPr>
           <a:xfrm>
-            <a:off x="665017" y="14822"/>
-            <a:ext cx="11194472" cy="6843178"/>
-          </a:xfrm>
-        </p:spPr>
-      </p:pic>
+            <a:off x="2589212" y="1413164"/>
+            <a:ext cx="8915400" cy="4820726"/>
+          </a:xfrm>
+        </p:spPr>
+        <p:txBody>
+          <a:bodyPr>
+            <a:normAutofit/>
+          </a:bodyPr>
+          <a:lstStyle/>
+          <a:p>
+            <a:r>
+              <a:rPr lang="en-US" sz="2400" dirty="0"/>
+              <a:t>The DOM is an organization chart, created automatically by the browser when your web page loads, for the whole web page. </a:t>
+            </a:r>
+          </a:p>
+          <a:p>
+            <a:pPr marL="0" indent="0">
+              <a:buNone/>
+            </a:pPr>
+            <a:endParaRPr lang="en-US" sz="2400" dirty="0"/>
+          </a:p>
+          <a:p>
+            <a:r>
+              <a:rPr lang="en-US" sz="2400" dirty="0"/>
+              <a:t>All the things on your web page—the tags, the text blocks, the images, the links, the tables, the style attributes, and more—have spots on this organization chart</a:t>
+            </a:r>
+          </a:p>
+          <a:p>
+            <a:pPr marL="0" indent="0">
+              <a:buNone/>
+            </a:pPr>
+            <a:endParaRPr lang="en-US" sz="2400" dirty="0"/>
+          </a:p>
+          <a:p>
+            <a:r>
+              <a:rPr lang="en-US" sz="2400" dirty="0"/>
+              <a:t> In the DOM organization chart, everything represents a node</a:t>
+            </a:r>
+          </a:p>
+        </p:txBody>
+      </p:sp>
+      <p:sp>
+        <p:nvSpPr>
+          <p:cNvPr id="4" name="TextBox 3"/>
+          <p:cNvSpPr txBox="1"/>
+          <p:nvPr/>
+        </p:nvSpPr>
+        <p:spPr>
+          <a:xfrm>
+            <a:off x="9041779" y="6488668"/>
+            <a:ext cx="3150221" cy="369332"/>
+          </a:xfrm>
+          <a:prstGeom prst="rect">
+            <a:avLst/>
+          </a:prstGeom>
+          <a:noFill/>
+        </p:spPr>
+        <p:txBody>
+          <a:bodyPr wrap="none" rtlCol="0">
+            <a:spAutoFit/>
+          </a:bodyPr>
+          <a:lstStyle/>
+          <a:p>
+            <a:r>
+              <a:rPr lang="en-US" dirty="0"/>
+              <a:t>Muhammad Umar Ahmad</a:t>
+            </a:r>
+          </a:p>
+        </p:txBody>
+      </p:sp>
     </p:spTree>
     <p:extLst>
       <p:ext uri="{BB962C8B-B14F-4D97-AF65-F5344CB8AC3E}">
-        <p14:creationId xmlns:p14="http://schemas.microsoft.com/office/powerpoint/2010/main" val="915905296"/>
+        <p14:creationId xmlns:p14="http://schemas.microsoft.com/office/powerpoint/2010/main" val="2990111107"/>
       </p:ext>
     </p:extLst>
   </p:cSld>
@@ -9199,19 +9378,14 @@
             <p:ph type="title"/>
           </p:nvPr>
         </p:nvSpPr>
-        <p:spPr>
-          <a:xfrm>
-            <a:off x="2592925" y="194620"/>
-            <a:ext cx="8911687" cy="1280890"/>
-          </a:xfrm>
-        </p:spPr>
+        <p:spPr/>
         <p:txBody>
           <a:bodyPr/>
           <a:lstStyle/>
           <a:p>
             <a:r>
               <a:rPr lang="en-US" dirty="0"/>
-              <a:t>The DOM: Parents and children</a:t>
+              <a:t>DOM - Document Object Model</a:t>
             </a:r>
             <a:endParaRPr lang="en-PK" dirty="0"/>
           </a:p>
@@ -9219,10 +9393,10 @@
       </p:sp>
       <p:pic>
         <p:nvPicPr>
-          <p:cNvPr id="5" name="Content Placeholder 4">
+          <p:cNvPr id="12" name="Content Placeholder 11">
             <a:extLst>
               <a:ext uri="{FF2B5EF4-FFF2-40B4-BE49-F238E27FC236}">
-                <a16:creationId xmlns:a16="http://schemas.microsoft.com/office/drawing/2014/main" id="{67A0F1BE-69D0-4871-A655-4F95DFA46043}"/>
+                <a16:creationId xmlns:a16="http://schemas.microsoft.com/office/drawing/2014/main" id="{717F46BA-AC39-47AA-ABDE-B4D97561381D}"/>
               </a:ext>
             </a:extLst>
           </p:cNvPr>
@@ -9247,15 +9421,15 @@
         </p:blipFill>
         <p:spPr>
           <a:xfrm>
-            <a:off x="249382" y="803565"/>
-            <a:ext cx="11734800" cy="6054436"/>
+            <a:off x="665017" y="14822"/>
+            <a:ext cx="11194472" cy="6843178"/>
           </a:xfrm>
         </p:spPr>
       </p:pic>
     </p:spTree>
     <p:extLst>
       <p:ext uri="{BB962C8B-B14F-4D97-AF65-F5344CB8AC3E}">
-        <p14:creationId xmlns:p14="http://schemas.microsoft.com/office/powerpoint/2010/main" val="2176649230"/>
+        <p14:creationId xmlns:p14="http://schemas.microsoft.com/office/powerpoint/2010/main" val="915905296"/>
       </p:ext>
     </p:extLst>
   </p:cSld>
@@ -9284,7 +9458,13 @@
       </p:grpSpPr>
       <p:sp>
         <p:nvSpPr>
-          <p:cNvPr id="2" name="Title 1"/>
+          <p:cNvPr id="6" name="Title 5">
+            <a:extLst>
+              <a:ext uri="{FF2B5EF4-FFF2-40B4-BE49-F238E27FC236}">
+                <a16:creationId xmlns:a16="http://schemas.microsoft.com/office/drawing/2014/main" id="{DD67A9C4-2206-41B4-8D2D-39F2178102FB}"/>
+              </a:ext>
+            </a:extLst>
+          </p:cNvPr>
           <p:cNvSpPr>
             <a:spLocks noGrp="1"/>
           </p:cNvSpPr>
@@ -9294,142 +9474,61 @@
         </p:nvSpPr>
         <p:spPr>
           <a:xfrm>
-            <a:off x="2592925" y="624110"/>
-            <a:ext cx="8911687" cy="932044"/>
-          </a:xfrm>
-        </p:spPr>
-        <p:txBody>
-          <a:bodyPr>
-            <a:normAutofit/>
-          </a:bodyPr>
+            <a:off x="2592925" y="194620"/>
+            <a:ext cx="8911687" cy="1280890"/>
+          </a:xfrm>
+        </p:spPr>
+        <p:txBody>
+          <a:bodyPr/>
           <a:lstStyle/>
           <a:p>
             <a:r>
               <a:rPr lang="en-US" dirty="0"/>
-              <a:t>The DOM: Finding children</a:t>
-            </a:r>
-          </a:p>
-        </p:txBody>
-      </p:sp>
-      <p:sp>
-        <p:nvSpPr>
-          <p:cNvPr id="3" name="Content Placeholder 2"/>
-          <p:cNvSpPr>
-            <a:spLocks noGrp="1"/>
-          </p:cNvSpPr>
+              <a:t>The DOM: Parents and children</a:t>
+            </a:r>
+            <a:endParaRPr lang="en-PK" dirty="0"/>
+          </a:p>
+        </p:txBody>
+      </p:sp>
+      <p:pic>
+        <p:nvPicPr>
+          <p:cNvPr id="5" name="Content Placeholder 4">
+            <a:extLst>
+              <a:ext uri="{FF2B5EF4-FFF2-40B4-BE49-F238E27FC236}">
+                <a16:creationId xmlns:a16="http://schemas.microsoft.com/office/drawing/2014/main" id="{67A0F1BE-69D0-4871-A655-4F95DFA46043}"/>
+              </a:ext>
+            </a:extLst>
+          </p:cNvPr>
+          <p:cNvPicPr>
+            <a:picLocks noGrp="1" noChangeAspect="1"/>
+          </p:cNvPicPr>
           <p:nvPr>
             <p:ph idx="1"/>
           </p:nvPr>
-        </p:nvSpPr>
+        </p:nvPicPr>
+        <p:blipFill>
+          <a:blip r:embed="rId2">
+            <a:extLst>
+              <a:ext uri="{28A0092B-C50C-407E-A947-70E740481C1C}">
+                <a14:useLocalDpi xmlns:a14="http://schemas.microsoft.com/office/drawing/2010/main" val="0"/>
+              </a:ext>
+            </a:extLst>
+          </a:blip>
+          <a:stretch>
+            <a:fillRect/>
+          </a:stretch>
+        </p:blipFill>
         <p:spPr>
           <a:xfrm>
-            <a:off x="2589212" y="2105890"/>
-            <a:ext cx="8915400" cy="4127999"/>
-          </a:xfrm>
-        </p:spPr>
-        <p:txBody>
-          <a:bodyPr>
-            <a:normAutofit/>
-          </a:bodyPr>
-          <a:lstStyle/>
-          <a:p>
-            <a:endParaRPr lang="en-US" sz="2400" dirty="0"/>
-          </a:p>
-          <a:p>
-            <a:r>
-              <a:rPr lang="en-US" sz="2400" dirty="0"/>
-              <a:t>var para = </a:t>
-            </a:r>
-            <a:r>
-              <a:rPr lang="en-US" sz="2400" dirty="0" err="1"/>
-              <a:t>document.getElementById</a:t>
-            </a:r>
-            <a:r>
-              <a:rPr lang="en-US" sz="2400" dirty="0"/>
-              <a:t>(“para1");</a:t>
-            </a:r>
-          </a:p>
-          <a:p>
-            <a:endParaRPr lang="en-US" sz="2400" dirty="0"/>
-          </a:p>
-          <a:p>
-            <a:r>
-              <a:rPr lang="en-US" sz="2400" dirty="0"/>
-              <a:t>var paras = </a:t>
-            </a:r>
-            <a:r>
-              <a:rPr lang="en-US" sz="2400" dirty="0" err="1"/>
-              <a:t>document.getElementsByTagName</a:t>
-            </a:r>
-            <a:r>
-              <a:rPr lang="en-US" sz="2400" dirty="0"/>
-              <a:t>("p"); </a:t>
-            </a:r>
-            <a:br>
-              <a:rPr lang="en-US" sz="2400" dirty="0"/>
-            </a:br>
-            <a:endParaRPr lang="en-US" sz="2400" dirty="0"/>
-          </a:p>
-          <a:p>
-            <a:endParaRPr lang="en-US" sz="2400" dirty="0"/>
-          </a:p>
-          <a:p>
-            <a:r>
-              <a:rPr lang="en-US" sz="2400" dirty="0"/>
-              <a:t> </a:t>
-            </a:r>
-            <a:r>
-              <a:rPr lang="en-US" sz="2400" b="1" dirty="0"/>
-              <a:t>var para = </a:t>
-            </a:r>
-            <a:r>
-              <a:rPr lang="en-US" sz="2400" b="1" dirty="0" err="1"/>
-              <a:t>moreParagraphs.childNodes</a:t>
-            </a:r>
-            <a:r>
-              <a:rPr lang="en-US" sz="2400" b="1" dirty="0"/>
-              <a:t>[1];</a:t>
-            </a:r>
-            <a:br>
-              <a:rPr lang="en-US" sz="2400" dirty="0"/>
-            </a:br>
-            <a:endParaRPr lang="en-US" sz="2400" dirty="0"/>
-          </a:p>
-        </p:txBody>
-      </p:sp>
-      <p:sp>
-        <p:nvSpPr>
-          <p:cNvPr id="4" name="TextBox 3"/>
-          <p:cNvSpPr txBox="1"/>
-          <p:nvPr/>
-        </p:nvSpPr>
-        <p:spPr>
-          <a:xfrm>
-            <a:off x="9041779" y="6488668"/>
-            <a:ext cx="3150221" cy="369332"/>
-          </a:xfrm>
-          <a:prstGeom prst="rect">
-            <a:avLst/>
-          </a:prstGeom>
-          <a:noFill/>
-        </p:spPr>
-        <p:txBody>
-          <a:bodyPr wrap="none" rtlCol="0">
-            <a:spAutoFit/>
-          </a:bodyPr>
-          <a:lstStyle/>
-          <a:p>
-            <a:r>
-              <a:rPr lang="en-US" dirty="0"/>
-              <a:t>Muhammad Umar Ahmad</a:t>
-            </a:r>
-          </a:p>
-        </p:txBody>
-      </p:sp>
+            <a:off x="249382" y="803565"/>
+            <a:ext cx="11734800" cy="6054436"/>
+          </a:xfrm>
+        </p:spPr>
+      </p:pic>
     </p:spTree>
     <p:extLst>
       <p:ext uri="{BB962C8B-B14F-4D97-AF65-F5344CB8AC3E}">
-        <p14:creationId xmlns:p14="http://schemas.microsoft.com/office/powerpoint/2010/main" val="2146940833"/>
+        <p14:creationId xmlns:p14="http://schemas.microsoft.com/office/powerpoint/2010/main" val="2176649230"/>
       </p:ext>
     </p:extLst>
   </p:cSld>
@@ -9468,6 +9567,180 @@
         </p:nvSpPr>
         <p:spPr>
           <a:xfrm>
+            <a:off x="2592925" y="624110"/>
+            <a:ext cx="8911687" cy="932044"/>
+          </a:xfrm>
+        </p:spPr>
+        <p:txBody>
+          <a:bodyPr>
+            <a:normAutofit/>
+          </a:bodyPr>
+          <a:lstStyle/>
+          <a:p>
+            <a:r>
+              <a:rPr lang="en-US" dirty="0"/>
+              <a:t>The DOM: Finding children</a:t>
+            </a:r>
+          </a:p>
+        </p:txBody>
+      </p:sp>
+      <p:sp>
+        <p:nvSpPr>
+          <p:cNvPr id="3" name="Content Placeholder 2"/>
+          <p:cNvSpPr>
+            <a:spLocks noGrp="1"/>
+          </p:cNvSpPr>
+          <p:nvPr>
+            <p:ph idx="1"/>
+          </p:nvPr>
+        </p:nvSpPr>
+        <p:spPr>
+          <a:xfrm>
+            <a:off x="2589212" y="2105890"/>
+            <a:ext cx="8915400" cy="4127999"/>
+          </a:xfrm>
+        </p:spPr>
+        <p:txBody>
+          <a:bodyPr>
+            <a:normAutofit/>
+          </a:bodyPr>
+          <a:lstStyle/>
+          <a:p>
+            <a:endParaRPr lang="en-US" sz="2400" dirty="0"/>
+          </a:p>
+          <a:p>
+            <a:r>
+              <a:rPr lang="en-US" sz="2400" dirty="0"/>
+              <a:t>var para = </a:t>
+            </a:r>
+            <a:r>
+              <a:rPr lang="en-US" sz="2400" dirty="0" err="1"/>
+              <a:t>document.getElementById</a:t>
+            </a:r>
+            <a:r>
+              <a:rPr lang="en-US" sz="2400" dirty="0"/>
+              <a:t>(“para1");</a:t>
+            </a:r>
+          </a:p>
+          <a:p>
+            <a:endParaRPr lang="en-US" sz="2400" dirty="0"/>
+          </a:p>
+          <a:p>
+            <a:r>
+              <a:rPr lang="en-US" sz="2400" dirty="0"/>
+              <a:t>var paras = </a:t>
+            </a:r>
+            <a:r>
+              <a:rPr lang="en-US" sz="2400" dirty="0" err="1"/>
+              <a:t>document.getElementsByTagName</a:t>
+            </a:r>
+            <a:r>
+              <a:rPr lang="en-US" sz="2400" dirty="0"/>
+              <a:t>("p"); </a:t>
+            </a:r>
+            <a:br>
+              <a:rPr lang="en-US" sz="2400" dirty="0"/>
+            </a:br>
+            <a:endParaRPr lang="en-US" sz="2400" dirty="0"/>
+          </a:p>
+          <a:p>
+            <a:endParaRPr lang="en-US" sz="2400" dirty="0"/>
+          </a:p>
+          <a:p>
+            <a:r>
+              <a:rPr lang="en-US" sz="2400" dirty="0"/>
+              <a:t> </a:t>
+            </a:r>
+            <a:r>
+              <a:rPr lang="en-US" sz="2400" b="1" dirty="0"/>
+              <a:t>var para = </a:t>
+            </a:r>
+            <a:r>
+              <a:rPr lang="en-US" sz="2400" b="1" dirty="0" err="1"/>
+              <a:t>moreParagraphs.childNodes</a:t>
+            </a:r>
+            <a:r>
+              <a:rPr lang="en-US" sz="2400" b="1" dirty="0"/>
+              <a:t>[1];</a:t>
+            </a:r>
+            <a:br>
+              <a:rPr lang="en-US" sz="2400" dirty="0"/>
+            </a:br>
+            <a:endParaRPr lang="en-US" sz="2400" dirty="0"/>
+          </a:p>
+        </p:txBody>
+      </p:sp>
+      <p:sp>
+        <p:nvSpPr>
+          <p:cNvPr id="4" name="TextBox 3"/>
+          <p:cNvSpPr txBox="1"/>
+          <p:nvPr/>
+        </p:nvSpPr>
+        <p:spPr>
+          <a:xfrm>
+            <a:off x="9041779" y="6488668"/>
+            <a:ext cx="3150221" cy="369332"/>
+          </a:xfrm>
+          <a:prstGeom prst="rect">
+            <a:avLst/>
+          </a:prstGeom>
+          <a:noFill/>
+        </p:spPr>
+        <p:txBody>
+          <a:bodyPr wrap="none" rtlCol="0">
+            <a:spAutoFit/>
+          </a:bodyPr>
+          <a:lstStyle/>
+          <a:p>
+            <a:r>
+              <a:rPr lang="en-US" dirty="0"/>
+              <a:t>Muhammad Umar Ahmad</a:t>
+            </a:r>
+          </a:p>
+        </p:txBody>
+      </p:sp>
+    </p:spTree>
+    <p:extLst>
+      <p:ext uri="{BB962C8B-B14F-4D97-AF65-F5344CB8AC3E}">
+        <p14:creationId xmlns:p14="http://schemas.microsoft.com/office/powerpoint/2010/main" val="2146940833"/>
+      </p:ext>
+    </p:extLst>
+  </p:cSld>
+  <p:clrMapOvr>
+    <a:masterClrMapping/>
+  </p:clrMapOvr>
+</p:sld>
+</file>
+
+<file path=ppt/slides/slide8.xml><?xml version="1.0" encoding="utf-8"?>
+<p:sld xmlns:a="http://schemas.openxmlformats.org/drawingml/2006/main" xmlns:r="http://schemas.openxmlformats.org/officeDocument/2006/relationships" xmlns:p="http://schemas.openxmlformats.org/presentationml/2006/main">
+  <p:cSld>
+    <p:spTree>
+      <p:nvGrpSpPr>
+        <p:cNvPr id="1" name=""/>
+        <p:cNvGrpSpPr/>
+        <p:nvPr/>
+      </p:nvGrpSpPr>
+      <p:grpSpPr>
+        <a:xfrm>
+          <a:off x="0" y="0"/>
+          <a:ext cx="0" cy="0"/>
+          <a:chOff x="0" y="0"/>
+          <a:chExt cx="0" cy="0"/>
+        </a:xfrm>
+      </p:grpSpPr>
+      <p:sp>
+        <p:nvSpPr>
+          <p:cNvPr id="2" name="Title 1"/>
+          <p:cNvSpPr>
+            <a:spLocks noGrp="1"/>
+          </p:cNvSpPr>
+          <p:nvPr>
+            <p:ph type="title"/>
+          </p:nvPr>
+        </p:nvSpPr>
+        <p:spPr>
+          <a:xfrm>
             <a:off x="2592925" y="928910"/>
             <a:ext cx="8911687" cy="719781"/>
           </a:xfrm>
@@ -9629,7 +9902,7 @@
 </p:sld>
 </file>
 
-<file path=ppt/slides/slide8.xml><?xml version="1.0" encoding="utf-8"?>
+<file path=ppt/slides/slide9.xml><?xml version="1.0" encoding="utf-8"?>
 <p:sld xmlns:a="http://schemas.openxmlformats.org/drawingml/2006/main" xmlns:r="http://schemas.openxmlformats.org/officeDocument/2006/relationships" xmlns:p="http://schemas.openxmlformats.org/presentationml/2006/main">
   <p:cSld>
     <p:spTree>
@@ -9915,218 +10188,6 @@
     <p:extLst>
       <p:ext uri="{BB962C8B-B14F-4D97-AF65-F5344CB8AC3E}">
         <p14:creationId xmlns:p14="http://schemas.microsoft.com/office/powerpoint/2010/main" val="3923979945"/>
-      </p:ext>
-    </p:extLst>
-  </p:cSld>
-  <p:clrMapOvr>
-    <a:masterClrMapping/>
-  </p:clrMapOvr>
-</p:sld>
-</file>
-
-<file path=ppt/slides/slide9.xml><?xml version="1.0" encoding="utf-8"?>
-<p:sld xmlns:a="http://schemas.openxmlformats.org/drawingml/2006/main" xmlns:r="http://schemas.openxmlformats.org/officeDocument/2006/relationships" xmlns:p="http://schemas.openxmlformats.org/presentationml/2006/main">
-  <p:cSld>
-    <p:spTree>
-      <p:nvGrpSpPr>
-        <p:cNvPr id="1" name=""/>
-        <p:cNvGrpSpPr/>
-        <p:nvPr/>
-      </p:nvGrpSpPr>
-      <p:grpSpPr>
-        <a:xfrm>
-          <a:off x="0" y="0"/>
-          <a:ext cx="0" cy="0"/>
-          <a:chOff x="0" y="0"/>
-          <a:chExt cx="0" cy="0"/>
-        </a:xfrm>
-      </p:grpSpPr>
-      <p:sp>
-        <p:nvSpPr>
-          <p:cNvPr id="2" name="Title 1"/>
-          <p:cNvSpPr>
-            <a:spLocks noGrp="1"/>
-          </p:cNvSpPr>
-          <p:nvPr>
-            <p:ph type="title"/>
-          </p:nvPr>
-        </p:nvSpPr>
-        <p:spPr>
-          <a:xfrm>
-            <a:off x="2592925" y="430142"/>
-            <a:ext cx="8911687" cy="719781"/>
-          </a:xfrm>
-        </p:spPr>
-        <p:txBody>
-          <a:bodyPr>
-            <a:normAutofit/>
-          </a:bodyPr>
-          <a:lstStyle/>
-          <a:p>
-            <a:r>
-              <a:rPr lang="en-US" dirty="0"/>
-              <a:t>The DOM: Attributes</a:t>
-            </a:r>
-          </a:p>
-        </p:txBody>
-      </p:sp>
-      <p:sp>
-        <p:nvSpPr>
-          <p:cNvPr id="3" name="Content Placeholder 2"/>
-          <p:cNvSpPr>
-            <a:spLocks noGrp="1"/>
-          </p:cNvSpPr>
-          <p:nvPr>
-            <p:ph idx="1"/>
-          </p:nvPr>
-        </p:nvSpPr>
-        <p:spPr>
-          <a:xfrm>
-            <a:off x="2589212" y="1759528"/>
-            <a:ext cx="8915400" cy="4558145"/>
-          </a:xfrm>
-        </p:spPr>
-        <p:txBody>
-          <a:bodyPr>
-            <a:noAutofit/>
-          </a:bodyPr>
-          <a:lstStyle/>
-          <a:p>
-            <a:pPr marL="0" indent="0">
-              <a:buNone/>
-            </a:pPr>
-            <a:r>
-              <a:rPr lang="en-US" sz="2800" b="1" dirty="0"/>
-              <a:t>&lt;</a:t>
-            </a:r>
-            <a:r>
-              <a:rPr lang="en-US" sz="2800" b="1" dirty="0" err="1"/>
-              <a:t>img</a:t>
-            </a:r>
-            <a:r>
-              <a:rPr lang="en-US" sz="2800" b="1" dirty="0"/>
-              <a:t> id=“image” </a:t>
-            </a:r>
-            <a:r>
-              <a:rPr lang="en-US" sz="2800" b="1" dirty="0" err="1"/>
-              <a:t>src</a:t>
-            </a:r>
-            <a:r>
-              <a:rPr lang="en-US" sz="2800" b="1" dirty="0"/>
-              <a:t>=“apple.jpg" alt=“Apple" height="42" width="42"&gt;</a:t>
-            </a:r>
-            <a:br>
-              <a:rPr lang="en-US" sz="2800" b="1" dirty="0"/>
-            </a:br>
-            <a:endParaRPr lang="en-US" sz="2800" b="1" dirty="0"/>
-          </a:p>
-          <a:p>
-            <a:r>
-              <a:rPr lang="en-US" sz="2800" b="1" dirty="0"/>
-              <a:t>var </a:t>
-            </a:r>
-            <a:r>
-              <a:rPr lang="en-US" sz="2800" b="1" dirty="0" err="1"/>
-              <a:t>hasHeight</a:t>
-            </a:r>
-            <a:r>
-              <a:rPr lang="en-US" sz="2800" b="1" dirty="0"/>
-              <a:t> = </a:t>
-            </a:r>
-            <a:r>
-              <a:rPr lang="en-US" sz="2800" b="1" dirty="0" err="1"/>
-              <a:t>image.hasAttribute</a:t>
-            </a:r>
-            <a:r>
-              <a:rPr lang="en-US" sz="2800" b="1" dirty="0"/>
-              <a:t>(“height"); </a:t>
-            </a:r>
-            <a:br>
-              <a:rPr lang="en-US" sz="2800" b="1" dirty="0"/>
-            </a:br>
-            <a:endParaRPr lang="en-US" sz="2800" b="1" dirty="0"/>
-          </a:p>
-          <a:p>
-            <a:r>
-              <a:rPr lang="en-US" sz="2800" b="1" dirty="0"/>
-              <a:t>var </a:t>
-            </a:r>
-            <a:r>
-              <a:rPr lang="en-US" sz="2800" b="1" dirty="0" err="1"/>
-              <a:t>attVal</a:t>
-            </a:r>
-            <a:r>
-              <a:rPr lang="en-US" sz="2800" b="1" dirty="0"/>
-              <a:t> = </a:t>
-            </a:r>
-            <a:r>
-              <a:rPr lang="en-US" sz="2800" b="1" dirty="0" err="1"/>
-              <a:t>image.getAttribute</a:t>
-            </a:r>
-            <a:r>
-              <a:rPr lang="en-US" sz="2800" b="1" dirty="0"/>
-              <a:t>("height"); </a:t>
-            </a:r>
-            <a:br>
-              <a:rPr lang="en-US" sz="2800" b="1" dirty="0"/>
-            </a:br>
-            <a:endParaRPr lang="en-US" sz="2800" b="1" dirty="0"/>
-          </a:p>
-          <a:p>
-            <a:r>
-              <a:rPr lang="en-US" sz="2800" b="1" dirty="0" err="1"/>
-              <a:t>image.setAttribute</a:t>
-            </a:r>
-            <a:r>
-              <a:rPr lang="en-US" sz="2800" b="1" dirty="0"/>
-              <a:t>(“height, “100"); </a:t>
-            </a:r>
-            <a:br>
-              <a:rPr lang="en-US" sz="2800" b="1" dirty="0"/>
-            </a:br>
-            <a:br>
-              <a:rPr lang="en-US" sz="2800" b="1" dirty="0"/>
-            </a:br>
-            <a:endParaRPr lang="en-US" sz="2800" b="1" dirty="0"/>
-          </a:p>
-          <a:p>
-            <a:endParaRPr lang="en-US" sz="2800" b="1" dirty="0"/>
-          </a:p>
-        </p:txBody>
-      </p:sp>
-      <p:sp>
-        <p:nvSpPr>
-          <p:cNvPr id="4" name="TextBox 3"/>
-          <p:cNvSpPr txBox="1"/>
-          <p:nvPr/>
-        </p:nvSpPr>
-        <p:spPr>
-          <a:xfrm>
-            <a:off x="9041779" y="6488668"/>
-            <a:ext cx="3150221" cy="369332"/>
-          </a:xfrm>
-          <a:prstGeom prst="rect">
-            <a:avLst/>
-          </a:prstGeom>
-          <a:noFill/>
-        </p:spPr>
-        <p:txBody>
-          <a:bodyPr wrap="none" rtlCol="0">
-            <a:spAutoFit/>
-          </a:bodyPr>
-          <a:lstStyle/>
-          <a:p>
-            <a:r>
-              <a:rPr lang="en-US" dirty="0"/>
-              <a:t>Muhammad Umar Ahmad</a:t>
-            </a:r>
-          </a:p>
-        </p:txBody>
-      </p:sp>
-    </p:spTree>
-    <p:extLst>
-      <p:ext uri="{BB962C8B-B14F-4D97-AF65-F5344CB8AC3E}">
-        <p14:creationId xmlns:p14="http://schemas.microsoft.com/office/powerpoint/2010/main" val="3346381357"/>
       </p:ext>
     </p:extLst>
   </p:cSld>
